--- a/W9D2/Time Series II.pptx
+++ b/W9D2/Time Series II.pptx
@@ -9,7 +9,11 @@
     <p:sldId id="257" r:id="rId3"/>
     <p:sldId id="258" r:id="rId4"/>
     <p:sldId id="259" r:id="rId5"/>
-    <p:sldId id="260" r:id="rId6"/>
+    <p:sldId id="261" r:id="rId6"/>
+    <p:sldId id="260" r:id="rId7"/>
+    <p:sldId id="262" r:id="rId8"/>
+    <p:sldId id="263" r:id="rId9"/>
+    <p:sldId id="264" r:id="rId10"/>
   </p:sldIdLst>
   <p:sldSz cx="12192000" cy="6858000"/>
   <p:notesSz cx="6858000" cy="9144000"/>
@@ -108,6 +112,11 @@
       </a:defRPr>
     </a:lvl9pPr>
   </p:defaultTextStyle>
+  <p:extLst>
+    <p:ext uri="{EFAFB233-063F-42B5-8137-9DF3F51BA10A}">
+      <p15:sldGuideLst xmlns:p15="http://schemas.microsoft.com/office/powerpoint/2012/main"/>
+    </p:ext>
+  </p:extLst>
 </p:presentation>
 </file>
 
@@ -281,7 +290,7 @@
             <a:fld id="{87DE6118-2437-4B30-8E3C-4D2BE6020583}" type="datetimeFigureOut">
               <a:rPr lang="en-US" dirty="0"/>
               <a:pPr/>
-              <a:t>9/14/2020</a:t>
+              <a:t>3/2/2021</a:t>
             </a:fld>
             <a:endParaRPr lang="en-US" dirty="0"/>
           </a:p>
@@ -607,7 +616,7 @@
           <a:p>
             <a:fld id="{87DE6118-2437-4B30-8E3C-4D2BE6020583}" type="datetimeFigureOut">
               <a:rPr lang="en-US" dirty="0"/>
-              <a:t>9/14/2020</a:t>
+              <a:t>3/2/2021</a:t>
             </a:fld>
             <a:endParaRPr lang="en-US" dirty="0"/>
           </a:p>
@@ -782,7 +791,7 @@
           <a:p>
             <a:fld id="{87DE6118-2437-4B30-8E3C-4D2BE6020583}" type="datetimeFigureOut">
               <a:rPr lang="en-US" dirty="0"/>
-              <a:t>9/14/2020</a:t>
+              <a:t>3/2/2021</a:t>
             </a:fld>
             <a:endParaRPr lang="en-US" dirty="0"/>
           </a:p>
@@ -947,7 +956,7 @@
           <a:p>
             <a:fld id="{87DE6118-2437-4B30-8E3C-4D2BE6020583}" type="datetimeFigureOut">
               <a:rPr lang="en-US" dirty="0"/>
-              <a:t>9/14/2020</a:t>
+              <a:t>3/2/2021</a:t>
             </a:fld>
             <a:endParaRPr lang="en-US" dirty="0"/>
           </a:p>
@@ -1220,7 +1229,7 @@
             <a:fld id="{87DE6118-2437-4B30-8E3C-4D2BE6020583}" type="datetimeFigureOut">
               <a:rPr lang="en-US" dirty="0"/>
               <a:pPr/>
-              <a:t>9/14/2020</a:t>
+              <a:t>3/2/2021</a:t>
             </a:fld>
             <a:endParaRPr lang="en-US" dirty="0"/>
           </a:p>
@@ -1610,7 +1619,7 @@
           <a:p>
             <a:fld id="{87DE6118-2437-4B30-8E3C-4D2BE6020583}" type="datetimeFigureOut">
               <a:rPr lang="en-US" dirty="0"/>
-              <a:t>9/14/2020</a:t>
+              <a:t>3/2/2021</a:t>
             </a:fld>
             <a:endParaRPr lang="en-US" dirty="0"/>
           </a:p>
@@ -2082,7 +2091,7 @@
           <a:p>
             <a:fld id="{87DE6118-2437-4B30-8E3C-4D2BE6020583}" type="datetimeFigureOut">
               <a:rPr lang="en-US" dirty="0"/>
-              <a:t>9/14/2020</a:t>
+              <a:t>3/2/2021</a:t>
             </a:fld>
             <a:endParaRPr lang="en-US" dirty="0"/>
           </a:p>
@@ -2195,7 +2204,7 @@
           <a:p>
             <a:fld id="{87DE6118-2437-4B30-8E3C-4D2BE6020583}" type="datetimeFigureOut">
               <a:rPr lang="en-US" dirty="0"/>
-              <a:t>9/14/2020</a:t>
+              <a:t>3/2/2021</a:t>
             </a:fld>
             <a:endParaRPr lang="en-US" dirty="0"/>
           </a:p>
@@ -2285,7 +2294,7 @@
           <a:p>
             <a:fld id="{87DE6118-2437-4B30-8E3C-4D2BE6020583}" type="datetimeFigureOut">
               <a:rPr lang="en-US" dirty="0"/>
-              <a:t>9/14/2020</a:t>
+              <a:t>3/2/2021</a:t>
             </a:fld>
             <a:endParaRPr lang="en-US" dirty="0"/>
           </a:p>
@@ -2627,7 +2636,7 @@
             <a:fld id="{87DE6118-2437-4B30-8E3C-4D2BE6020583}" type="datetimeFigureOut">
               <a:rPr lang="en-US" dirty="0"/>
               <a:pPr/>
-              <a:t>9/14/2020</a:t>
+              <a:t>3/2/2021</a:t>
             </a:fld>
             <a:endParaRPr lang="en-US" dirty="0"/>
           </a:p>
@@ -3012,7 +3021,7 @@
             <a:fld id="{87DE6118-2437-4B30-8E3C-4D2BE6020583}" type="datetimeFigureOut">
               <a:rPr lang="en-US" dirty="0"/>
               <a:pPr/>
-              <a:t>9/14/2020</a:t>
+              <a:t>3/2/2021</a:t>
             </a:fld>
             <a:endParaRPr lang="en-US" dirty="0"/>
           </a:p>
@@ -3287,7 +3296,7 @@
             <a:fld id="{87DE6118-2437-4B30-8E3C-4D2BE6020583}" type="datetimeFigureOut">
               <a:rPr lang="en-US" dirty="0"/>
               <a:pPr/>
-              <a:t>9/14/2020</a:t>
+              <a:t>3/2/2021</a:t>
             </a:fld>
             <a:endParaRPr lang="en-US" dirty="0"/>
           </a:p>
@@ -4798,6 +4807,66 @@
           <a:chExt cx="0" cy="0"/>
         </a:xfrm>
       </p:grpSpPr>
+      <p:pic>
+        <p:nvPicPr>
+          <p:cNvPr id="5" name="Picture 4">
+            <a:extLst>
+              <a:ext uri="{FF2B5EF4-FFF2-40B4-BE49-F238E27FC236}">
+                <a16:creationId xmlns:a16="http://schemas.microsoft.com/office/drawing/2014/main" id="{E36693B8-AFAC-4FDF-AEEA-F64AB10DDF8D}"/>
+              </a:ext>
+            </a:extLst>
+          </p:cNvPr>
+          <p:cNvPicPr>
+            <a:picLocks noChangeAspect="1"/>
+          </p:cNvPicPr>
+          <p:nvPr/>
+        </p:nvPicPr>
+        <p:blipFill>
+          <a:blip r:embed="rId2"/>
+          <a:stretch>
+            <a:fillRect/>
+          </a:stretch>
+        </p:blipFill>
+        <p:spPr>
+          <a:xfrm>
+            <a:off x="1231216" y="556187"/>
+            <a:ext cx="9755651" cy="5999358"/>
+          </a:xfrm>
+          <a:prstGeom prst="rect">
+            <a:avLst/>
+          </a:prstGeom>
+        </p:spPr>
+      </p:pic>
+    </p:spTree>
+    <p:extLst>
+      <p:ext uri="{BB962C8B-B14F-4D97-AF65-F5344CB8AC3E}">
+        <p14:creationId xmlns:p14="http://schemas.microsoft.com/office/powerpoint/2010/main" val="3697816517"/>
+      </p:ext>
+    </p:extLst>
+  </p:cSld>
+  <p:clrMapOvr>
+    <a:masterClrMapping/>
+  </p:clrMapOvr>
+</p:sld>
+</file>
+
+<file path=ppt/slides/slide6.xml><?xml version="1.0" encoding="utf-8"?>
+<p:sld xmlns:a="http://schemas.openxmlformats.org/drawingml/2006/main" xmlns:r="http://schemas.openxmlformats.org/officeDocument/2006/relationships" xmlns:p="http://schemas.openxmlformats.org/presentationml/2006/main">
+  <p:cSld>
+    <p:spTree>
+      <p:nvGrpSpPr>
+        <p:cNvPr id="1" name=""/>
+        <p:cNvGrpSpPr/>
+        <p:nvPr/>
+      </p:nvGrpSpPr>
+      <p:grpSpPr>
+        <a:xfrm>
+          <a:off x="0" y="0"/>
+          <a:ext cx="0" cy="0"/>
+          <a:chOff x="0" y="0"/>
+          <a:chExt cx="0" cy="0"/>
+        </a:xfrm>
+      </p:grpSpPr>
       <p:sp>
         <p:nvSpPr>
           <p:cNvPr id="2" name="Title 1">
@@ -4897,6 +4966,186 @@
     <p:extLst>
       <p:ext uri="{BB962C8B-B14F-4D97-AF65-F5344CB8AC3E}">
         <p14:creationId xmlns:p14="http://schemas.microsoft.com/office/powerpoint/2010/main" val="3201418679"/>
+      </p:ext>
+    </p:extLst>
+  </p:cSld>
+  <p:clrMapOvr>
+    <a:masterClrMapping/>
+  </p:clrMapOvr>
+</p:sld>
+</file>
+
+<file path=ppt/slides/slide7.xml><?xml version="1.0" encoding="utf-8"?>
+<p:sld xmlns:a="http://schemas.openxmlformats.org/drawingml/2006/main" xmlns:r="http://schemas.openxmlformats.org/officeDocument/2006/relationships" xmlns:p="http://schemas.openxmlformats.org/presentationml/2006/main">
+  <p:cSld>
+    <p:spTree>
+      <p:nvGrpSpPr>
+        <p:cNvPr id="1" name=""/>
+        <p:cNvGrpSpPr/>
+        <p:nvPr/>
+      </p:nvGrpSpPr>
+      <p:grpSpPr>
+        <a:xfrm>
+          <a:off x="0" y="0"/>
+          <a:ext cx="0" cy="0"/>
+          <a:chOff x="0" y="0"/>
+          <a:chExt cx="0" cy="0"/>
+        </a:xfrm>
+      </p:grpSpPr>
+      <p:pic>
+        <p:nvPicPr>
+          <p:cNvPr id="5" name="Picture 4">
+            <a:extLst>
+              <a:ext uri="{FF2B5EF4-FFF2-40B4-BE49-F238E27FC236}">
+                <a16:creationId xmlns:a16="http://schemas.microsoft.com/office/drawing/2014/main" id="{9CF89A9D-9EAC-4B7B-AF98-FBEEFBC0A137}"/>
+              </a:ext>
+            </a:extLst>
+          </p:cNvPr>
+          <p:cNvPicPr>
+            <a:picLocks noChangeAspect="1"/>
+          </p:cNvPicPr>
+          <p:nvPr/>
+        </p:nvPicPr>
+        <p:blipFill>
+          <a:blip r:embed="rId2"/>
+          <a:stretch>
+            <a:fillRect/>
+          </a:stretch>
+        </p:blipFill>
+        <p:spPr>
+          <a:xfrm>
+            <a:off x="1036246" y="278496"/>
+            <a:ext cx="9838080" cy="5883153"/>
+          </a:xfrm>
+          <a:prstGeom prst="rect">
+            <a:avLst/>
+          </a:prstGeom>
+        </p:spPr>
+      </p:pic>
+    </p:spTree>
+    <p:extLst>
+      <p:ext uri="{BB962C8B-B14F-4D97-AF65-F5344CB8AC3E}">
+        <p14:creationId xmlns:p14="http://schemas.microsoft.com/office/powerpoint/2010/main" val="2768787641"/>
+      </p:ext>
+    </p:extLst>
+  </p:cSld>
+  <p:clrMapOvr>
+    <a:masterClrMapping/>
+  </p:clrMapOvr>
+</p:sld>
+</file>
+
+<file path=ppt/slides/slide8.xml><?xml version="1.0" encoding="utf-8"?>
+<p:sld xmlns:a="http://schemas.openxmlformats.org/drawingml/2006/main" xmlns:r="http://schemas.openxmlformats.org/officeDocument/2006/relationships" xmlns:p="http://schemas.openxmlformats.org/presentationml/2006/main">
+  <p:cSld>
+    <p:spTree>
+      <p:nvGrpSpPr>
+        <p:cNvPr id="1" name=""/>
+        <p:cNvGrpSpPr/>
+        <p:nvPr/>
+      </p:nvGrpSpPr>
+      <p:grpSpPr>
+        <a:xfrm>
+          <a:off x="0" y="0"/>
+          <a:ext cx="0" cy="0"/>
+          <a:chOff x="0" y="0"/>
+          <a:chExt cx="0" cy="0"/>
+        </a:xfrm>
+      </p:grpSpPr>
+      <p:pic>
+        <p:nvPicPr>
+          <p:cNvPr id="5" name="Picture 4">
+            <a:extLst>
+              <a:ext uri="{FF2B5EF4-FFF2-40B4-BE49-F238E27FC236}">
+                <a16:creationId xmlns:a16="http://schemas.microsoft.com/office/drawing/2014/main" id="{F0EBCA62-9C8B-411D-806B-BF7D0C312091}"/>
+              </a:ext>
+            </a:extLst>
+          </p:cNvPr>
+          <p:cNvPicPr>
+            <a:picLocks noChangeAspect="1"/>
+          </p:cNvPicPr>
+          <p:nvPr/>
+        </p:nvPicPr>
+        <p:blipFill>
+          <a:blip r:embed="rId2"/>
+          <a:stretch>
+            <a:fillRect/>
+          </a:stretch>
+        </p:blipFill>
+        <p:spPr>
+          <a:xfrm>
+            <a:off x="1083212" y="217903"/>
+            <a:ext cx="10387305" cy="5353050"/>
+          </a:xfrm>
+          <a:prstGeom prst="rect">
+            <a:avLst/>
+          </a:prstGeom>
+        </p:spPr>
+      </p:pic>
+    </p:spTree>
+    <p:extLst>
+      <p:ext uri="{BB962C8B-B14F-4D97-AF65-F5344CB8AC3E}">
+        <p14:creationId xmlns:p14="http://schemas.microsoft.com/office/powerpoint/2010/main" val="2131527940"/>
+      </p:ext>
+    </p:extLst>
+  </p:cSld>
+  <p:clrMapOvr>
+    <a:masterClrMapping/>
+  </p:clrMapOvr>
+</p:sld>
+</file>
+
+<file path=ppt/slides/slide9.xml><?xml version="1.0" encoding="utf-8"?>
+<p:sld xmlns:a="http://schemas.openxmlformats.org/drawingml/2006/main" xmlns:r="http://schemas.openxmlformats.org/officeDocument/2006/relationships" xmlns:p="http://schemas.openxmlformats.org/presentationml/2006/main">
+  <p:cSld>
+    <p:spTree>
+      <p:nvGrpSpPr>
+        <p:cNvPr id="1" name=""/>
+        <p:cNvGrpSpPr/>
+        <p:nvPr/>
+      </p:nvGrpSpPr>
+      <p:grpSpPr>
+        <a:xfrm>
+          <a:off x="0" y="0"/>
+          <a:ext cx="0" cy="0"/>
+          <a:chOff x="0" y="0"/>
+          <a:chExt cx="0" cy="0"/>
+        </a:xfrm>
+      </p:grpSpPr>
+      <p:pic>
+        <p:nvPicPr>
+          <p:cNvPr id="5" name="Picture 4">
+            <a:extLst>
+              <a:ext uri="{FF2B5EF4-FFF2-40B4-BE49-F238E27FC236}">
+                <a16:creationId xmlns:a16="http://schemas.microsoft.com/office/drawing/2014/main" id="{ED8D789F-DF95-4B19-8C60-771D69E505F8}"/>
+              </a:ext>
+            </a:extLst>
+          </p:cNvPr>
+          <p:cNvPicPr>
+            <a:picLocks noChangeAspect="1"/>
+          </p:cNvPicPr>
+          <p:nvPr/>
+        </p:nvPicPr>
+        <p:blipFill>
+          <a:blip r:embed="rId2"/>
+          <a:stretch>
+            <a:fillRect/>
+          </a:stretch>
+        </p:blipFill>
+        <p:spPr>
+          <a:xfrm>
+            <a:off x="831027" y="337624"/>
+            <a:ext cx="11075002" cy="5866228"/>
+          </a:xfrm>
+          <a:prstGeom prst="rect">
+            <a:avLst/>
+          </a:prstGeom>
+        </p:spPr>
+      </p:pic>
+    </p:spTree>
+    <p:extLst>
+      <p:ext uri="{BB962C8B-B14F-4D97-AF65-F5344CB8AC3E}">
+        <p14:creationId xmlns:p14="http://schemas.microsoft.com/office/powerpoint/2010/main" val="62932972"/>
       </p:ext>
     </p:extLst>
   </p:cSld>
